--- a/Final Presentation C Henrique Jeffrey VB.pptx
+++ b/Final Presentation C Henrique Jeffrey VB.pptx
@@ -109,7 +109,7 @@
   </p:defaultTextStyle>
   <p:extLst>
     <p:ext uri="{EFAFB233-063F-42B5-8137-9DF3F51BA10A}">
-      <p15:sldGuideLst xmlns:p15="http://schemas.microsoft.com/office/powerpoint/2012/main"/>
+      <p15:sldGuideLst xmlns:p15="http://schemas.microsoft.com/office/powerpoint/2012/main" xmlns=""/>
     </p:ext>
   </p:extLst>
 </p:presentation>
@@ -838,7 +838,7 @@
             <a:fld id="{5923F103-BC34-4FE4-A40E-EDDEECFDA5D0}" type="datetimeFigureOut">
               <a:rPr lang="en-US" smtClean="0"/>
               <a:pPr/>
-              <a:t>5/6/2016</a:t>
+              <a:t>5/9/16</a:t>
             </a:fld>
             <a:endParaRPr lang="en-US" dirty="0"/>
           </a:p>
@@ -1090,7 +1090,7 @@
           <a:p>
             <a:fld id="{AFF16868-8199-4C2C-A5B1-63AEE139F88E}" type="datetimeFigureOut">
               <a:rPr lang="en-US" smtClean="0"/>
-              <a:t>5/6/2016</a:t>
+              <a:t>5/9/16</a:t>
             </a:fld>
             <a:endParaRPr lang="en-US" dirty="0"/>
           </a:p>
@@ -1405,7 +1405,7 @@
           <a:p>
             <a:fld id="{AAD9FF7F-6988-44CC-821B-644E70CD2F73}" type="datetimeFigureOut">
               <a:rPr lang="en-US" smtClean="0"/>
-              <a:t>5/6/2016</a:t>
+              <a:t>5/9/16</a:t>
             </a:fld>
             <a:endParaRPr lang="en-US" dirty="0"/>
           </a:p>
@@ -1747,7 +1747,7 @@
           <a:p>
             <a:fld id="{5C12C299-16B2-4475-990D-751901EACC14}" type="datetimeFigureOut">
               <a:rPr lang="en-US" smtClean="0"/>
-              <a:t>5/6/2016</a:t>
+              <a:t>5/9/16</a:t>
             </a:fld>
             <a:endParaRPr lang="en-US" dirty="0"/>
           </a:p>
@@ -2062,7 +2062,7 @@
           <a:p>
             <a:fld id="{2BE451C3-0FF4-47C4-B829-773ADF60F88C}" type="datetimeFigureOut">
               <a:rPr lang="en-US" smtClean="0"/>
-              <a:t>5/6/2016</a:t>
+              <a:t>5/9/16</a:t>
             </a:fld>
             <a:endParaRPr lang="en-US" dirty="0"/>
           </a:p>
@@ -2457,7 +2457,7 @@
           <a:p>
             <a:fld id="{2BE451C3-0FF4-47C4-B829-773ADF60F88C}" type="datetimeFigureOut">
               <a:rPr lang="en-US" smtClean="0"/>
-              <a:t>5/6/2016</a:t>
+              <a:t>5/9/16</a:t>
             </a:fld>
             <a:endParaRPr lang="en-US" dirty="0"/>
           </a:p>
@@ -2629,7 +2629,7 @@
           <a:p>
             <a:fld id="{53086D93-FCAC-47E0-A2EE-787E62CA814C}" type="datetimeFigureOut">
               <a:rPr lang="en-US" smtClean="0"/>
-              <a:t>5/6/2016</a:t>
+              <a:t>5/9/16</a:t>
             </a:fld>
             <a:endParaRPr lang="en-US" dirty="0"/>
           </a:p>
@@ -2810,7 +2810,7 @@
           <a:p>
             <a:fld id="{CDA879A6-0FD0-4734-A311-86BFCA472E6E}" type="datetimeFigureOut">
               <a:rPr lang="en-US" smtClean="0"/>
-              <a:t>5/6/2016</a:t>
+              <a:t>5/9/16</a:t>
             </a:fld>
             <a:endParaRPr lang="en-US" dirty="0"/>
           </a:p>
@@ -2987,7 +2987,7 @@
           <a:p>
             <a:fld id="{19C9CA7B-DFD4-44B5-8C60-D14B8CD1FB59}" type="datetimeFigureOut">
               <a:rPr lang="en-US" smtClean="0"/>
-              <a:t>5/6/2016</a:t>
+              <a:t>5/9/16</a:t>
             </a:fld>
             <a:endParaRPr lang="en-US" dirty="0"/>
           </a:p>
@@ -3235,7 +3235,7 @@
           <a:p>
             <a:fld id="{F34E6425-0181-43F2-84FC-787E803FD2F8}" type="datetimeFigureOut">
               <a:rPr lang="en-US" smtClean="0"/>
-              <a:t>5/6/2016</a:t>
+              <a:t>5/9/16</a:t>
             </a:fld>
             <a:endParaRPr lang="en-US" dirty="0"/>
           </a:p>
@@ -3468,7 +3468,7 @@
           <a:p>
             <a:fld id="{3BDB8791-F1B0-41E7-B7FD-A781E65C4266}" type="datetimeFigureOut">
               <a:rPr lang="en-US" smtClean="0"/>
-              <a:t>5/6/2016</a:t>
+              <a:t>5/9/16</a:t>
             </a:fld>
             <a:endParaRPr lang="en-US" dirty="0"/>
           </a:p>
@@ -3843,7 +3843,7 @@
           <a:p>
             <a:fld id="{5FDD63B2-E120-4ED8-B27B-C685F510A5FE}" type="datetimeFigureOut">
               <a:rPr lang="en-US" smtClean="0"/>
-              <a:t>5/6/2016</a:t>
+              <a:t>5/9/16</a:t>
             </a:fld>
             <a:endParaRPr lang="en-US" dirty="0"/>
           </a:p>
@@ -3967,7 +3967,7 @@
           <a:p>
             <a:fld id="{7AA18ACC-A947-437B-A130-35BD54FDF1E9}" type="datetimeFigureOut">
               <a:rPr lang="en-US" smtClean="0"/>
-              <a:t>5/6/2016</a:t>
+              <a:t>5/9/16</a:t>
             </a:fld>
             <a:endParaRPr lang="en-US" dirty="0"/>
           </a:p>
@@ -4063,7 +4063,7 @@
           <a:p>
             <a:fld id="{7C8D7E02-BCB8-4D50-A234-369438C08659}" type="datetimeFigureOut">
               <a:rPr lang="en-US" smtClean="0"/>
-              <a:t>5/6/2016</a:t>
+              <a:t>5/9/16</a:t>
             </a:fld>
             <a:endParaRPr lang="en-US" dirty="0"/>
           </a:p>
@@ -4319,7 +4319,7 @@
           <a:p>
             <a:fld id="{76E86A4C-8E40-4F87-A4F0-01A0687C5742}" type="datetimeFigureOut">
               <a:rPr lang="en-US" smtClean="0"/>
-              <a:t>5/6/2016</a:t>
+              <a:t>5/9/16</a:t>
             </a:fld>
             <a:endParaRPr lang="en-US" dirty="0"/>
           </a:p>
@@ -4583,7 +4583,7 @@
           <a:p>
             <a:fld id="{35E72C73-2D91-4E12-BA25-F0AA0C03599B}" type="datetimeFigureOut">
               <a:rPr lang="en-US" smtClean="0"/>
-              <a:t>5/6/2016</a:t>
+              <a:t>5/9/16</a:t>
             </a:fld>
             <a:endParaRPr lang="en-US" dirty="0"/>
           </a:p>
@@ -5327,7 +5327,7 @@
           <a:p>
             <a:fld id="{2BE451C3-0FF4-47C4-B829-773ADF60F88C}" type="datetimeFigureOut">
               <a:rPr lang="en-US" smtClean="0"/>
-              <a:t>5/6/2016</a:t>
+              <a:t>5/9/16</a:t>
             </a:fld>
             <a:endParaRPr lang="en-US" dirty="0"/>
           </a:p>
@@ -5870,11 +5870,7 @@
           <a:p>
             <a:r>
               <a:rPr lang="en-US" dirty="0" smtClean="0"/>
-              <a:t>Final </a:t>
-            </a:r>
-            <a:r>
-              <a:rPr lang="en-US" dirty="0" smtClean="0"/>
-              <a:t>Presentation</a:t>
+              <a:t>Final Presentation</a:t>
             </a:r>
             <a:endParaRPr lang="en-US" dirty="0"/>
           </a:p>
@@ -5916,7 +5912,7 @@
   <p:timing>
     <p:tnLst>
       <p:par>
-        <p:cTn id="1" dur="indefinite" restart="never" nodeType="tmRoot"/>
+        <p:cTn xmlns:p14="http://schemas.microsoft.com/office/powerpoint/2010/main" id="1" dur="indefinite" restart="never" nodeType="tmRoot"/>
       </p:par>
     </p:tnLst>
   </p:timing>
@@ -5988,7 +5984,15 @@
             </a:r>
             <a:r>
               <a:rPr lang="en-US" dirty="0" smtClean="0"/>
-              <a:t> to create a game with a branching story, and a random-number-generation combat system (although the latter was never fully implemented due to errors</a:t>
+              <a:t> to create a game with a branching story, and a random-number-generation combat system (although the latter was never fully implemented due </a:t>
+            </a:r>
+            <a:r>
+              <a:rPr lang="en-US" smtClean="0"/>
+              <a:t>to </a:t>
+            </a:r>
+            <a:r>
+              <a:rPr lang="en-US" smtClean="0"/>
+              <a:t>errors)</a:t>
             </a:r>
             <a:endParaRPr lang="en-US" dirty="0"/>
           </a:p>
@@ -6007,7 +6011,7 @@
   <p:timing>
     <p:tnLst>
       <p:par>
-        <p:cTn id="1" dur="indefinite" restart="never" nodeType="tmRoot"/>
+        <p:cTn xmlns:p14="http://schemas.microsoft.com/office/powerpoint/2010/main" id="1" dur="indefinite" restart="never" nodeType="tmRoot"/>
       </p:par>
     </p:tnLst>
   </p:timing>
@@ -6095,7 +6099,7 @@
   <p:timing>
     <p:tnLst>
       <p:par>
-        <p:cTn id="1" dur="indefinite" restart="never" nodeType="tmRoot"/>
+        <p:cTn xmlns:p14="http://schemas.microsoft.com/office/powerpoint/2010/main" id="1" dur="indefinite" restart="never" nodeType="tmRoot"/>
       </p:par>
     </p:tnLst>
   </p:timing>
@@ -6165,11 +6169,7 @@
           <a:p>
             <a:r>
               <a:rPr lang="en-US" dirty="0" smtClean="0"/>
-              <a:t>We could hav</a:t>
-            </a:r>
-            <a:r>
-              <a:rPr lang="en-US" dirty="0" smtClean="0"/>
-              <a:t>e implemented an inventory system to keep track of and display the items a player has at a specific time</a:t>
+              <a:t>We could have implemented an inventory system to keep track of and display the items a player has at a specific time</a:t>
             </a:r>
           </a:p>
           <a:p>
@@ -6202,7 +6202,7 @@
   <p:timing>
     <p:tnLst>
       <p:par>
-        <p:cTn id="1" dur="indefinite" restart="never" nodeType="tmRoot"/>
+        <p:cTn xmlns:p14="http://schemas.microsoft.com/office/powerpoint/2010/main" id="1" dur="indefinite" restart="never" nodeType="tmRoot"/>
       </p:par>
     </p:tnLst>
   </p:timing>
@@ -6252,7 +6252,7 @@
     </a:clrScheme>
     <a:fontScheme name="Facet">
       <a:majorFont>
-        <a:latin typeface="Trebuchet MS" panose="020B0603020202020204"/>
+        <a:latin typeface="Trebuchet MS"/>
         <a:ea typeface=""/>
         <a:cs typeface=""/>
         <a:font script="Jpan" typeface="メイリオ"/>
@@ -6287,7 +6287,7 @@
         <a:font script="Geor" typeface="Sylfaen"/>
       </a:majorFont>
       <a:minorFont>
-        <a:latin typeface="Trebuchet MS" panose="020B0603020202020204"/>
+        <a:latin typeface="Trebuchet MS"/>
         <a:ea typeface=""/>
         <a:cs typeface=""/>
         <a:font script="Jpan" typeface="メイリオ"/>
@@ -6460,7 +6460,7 @@
   <a:extraClrSchemeLst/>
   <a:extLst>
     <a:ext uri="{05A4C25C-085E-4340-85A3-A5531E510DB2}">
-      <thm15:themeFamily xmlns:thm15="http://schemas.microsoft.com/office/thememl/2012/main" name="Facet" id="{C0C680CD-088A-49FC-A102-D699147F32B2}" vid="{CFBC31BA-B70F-4F30-BCAA-4F3011E16C4D}"/>
+      <thm15:themeFamily xmlns:thm15="http://schemas.microsoft.com/office/thememl/2012/main" xmlns="" name="Facet" id="{C0C680CD-088A-49FC-A102-D699147F32B2}" vid="{CFBC31BA-B70F-4F30-BCAA-4F3011E16C4D}"/>
     </a:ext>
   </a:extLst>
 </a:theme>
